--- a/Lecture Slides/02-Eagle-Part-1.pptx
+++ b/Lecture Slides/02-Eagle-Part-1.pptx
@@ -28,14 +28,16 @@
     <p:sldId id="276" r:id="rId22"/>
     <p:sldId id="277" r:id="rId23"/>
     <p:sldId id="281" r:id="rId24"/>
-    <p:sldId id="261" r:id="rId25"/>
-    <p:sldId id="262" r:id="rId26"/>
-    <p:sldId id="268" r:id="rId27"/>
-    <p:sldId id="263" r:id="rId28"/>
-    <p:sldId id="264" r:id="rId29"/>
-    <p:sldId id="265" r:id="rId30"/>
-    <p:sldId id="266" r:id="rId31"/>
-    <p:sldId id="267" r:id="rId32"/>
+    <p:sldId id="289" r:id="rId25"/>
+    <p:sldId id="290" r:id="rId26"/>
+    <p:sldId id="261" r:id="rId27"/>
+    <p:sldId id="262" r:id="rId28"/>
+    <p:sldId id="268" r:id="rId29"/>
+    <p:sldId id="263" r:id="rId30"/>
+    <p:sldId id="264" r:id="rId31"/>
+    <p:sldId id="265" r:id="rId32"/>
+    <p:sldId id="266" r:id="rId33"/>
+    <p:sldId id="267" r:id="rId34"/>
   </p:sldIdLst>
   <p:sldSz cx="9144000" cy="6858000" type="screen4x3"/>
   <p:notesSz cx="6858000" cy="9144000"/>
@@ -3232,6 +3234,13 @@
   <p:clrMapOvr>
     <a:masterClrMapping/>
   </p:clrMapOvr>
+  <p:timing>
+    <p:tnLst>
+      <p:par>
+        <p:cTn xmlns:p14="http://schemas.microsoft.com/office/powerpoint/2010/main" id="1" dur="indefinite" restart="never" nodeType="tmRoot"/>
+      </p:par>
+    </p:tnLst>
+  </p:timing>
 </p:sld>
 </file>
 
@@ -5058,7 +5067,7 @@
           <a:p>
             <a:r>
               <a:rPr lang="en-US" dirty="0" smtClean="0"/>
-              <a:t>CAM Layers (Gerber files)</a:t>
+              <a:t>Electrical Rules Check</a:t>
             </a:r>
             <a:endParaRPr lang="en-US" dirty="0"/>
           </a:p>
@@ -5074,186 +5083,29 @@
             <p:ph idx="1"/>
           </p:nvPr>
         </p:nvSpPr>
-        <p:spPr>
-          <a:xfrm>
-            <a:off x="457200" y="1195294"/>
-            <a:ext cx="8229600" cy="5468471"/>
-          </a:xfrm>
-        </p:spPr>
+        <p:spPr/>
         <p:txBody>
-          <a:bodyPr>
-            <a:normAutofit fontScale="70000" lnSpcReduction="20000"/>
-          </a:bodyPr>
+          <a:bodyPr/>
           <a:lstStyle/>
           <a:p>
             <a:r>
               <a:rPr lang="en-US" dirty="0" smtClean="0"/>
-              <a:t>Eagle layers are for design.</a:t>
-            </a:r>
-          </a:p>
-          <a:p>
-            <a:r>
-              <a:rPr lang="en-US" dirty="0" smtClean="0"/>
-              <a:t>CAM layers are for manufacturing</a:t>
-            </a:r>
-          </a:p>
-          <a:p>
-            <a:pPr lvl="1"/>
-            <a:r>
-              <a:rPr lang="en-US" dirty="0" smtClean="0"/>
-              <a:t>“</a:t>
-            </a:r>
-            <a:r>
-              <a:rPr lang="en-US" dirty="0"/>
-              <a:t>G</a:t>
-            </a:r>
-            <a:r>
-              <a:rPr lang="en-US" dirty="0" smtClean="0"/>
-              <a:t>erber” files are for lithographic steps</a:t>
-            </a:r>
-          </a:p>
-          <a:p>
-            <a:pPr lvl="1"/>
-            <a:r>
-              <a:rPr lang="en-US" dirty="0" smtClean="0"/>
-              <a:t>Drill files are for drilling holes.</a:t>
-            </a:r>
-          </a:p>
-          <a:p>
-            <a:r>
-              <a:rPr lang="en-US" dirty="0" smtClean="0"/>
-              <a:t>Each CAM layers corresponds to one layer of the resulting board</a:t>
-            </a:r>
-          </a:p>
-          <a:p>
-            <a:pPr lvl="1"/>
-            <a:r>
-              <a:rPr lang="en-US" dirty="0" smtClean="0"/>
-              <a:t>Top silk </a:t>
-            </a:r>
-            <a:r>
-              <a:rPr lang="en-US" dirty="0" smtClean="0"/>
-              <a:t>screen (.PLC)</a:t>
-            </a:r>
-            <a:endParaRPr lang="en-US" dirty="0" smtClean="0"/>
-          </a:p>
-          <a:p>
-            <a:pPr lvl="1"/>
-            <a:r>
-              <a:rPr lang="en-US" dirty="0" smtClean="0"/>
-              <a:t>Top solder </a:t>
-            </a:r>
-            <a:r>
-              <a:rPr lang="en-US" dirty="0" smtClean="0"/>
-              <a:t>mask (.STC)</a:t>
-            </a:r>
-            <a:endParaRPr lang="en-US" dirty="0" smtClean="0"/>
-          </a:p>
-          <a:p>
-            <a:pPr lvl="1"/>
-            <a:r>
-              <a:rPr lang="en-US" dirty="0" smtClean="0"/>
-              <a:t>Top </a:t>
-            </a:r>
-            <a:r>
-              <a:rPr lang="en-US" dirty="0" smtClean="0"/>
-              <a:t>metal (.TOP)</a:t>
-            </a:r>
-            <a:endParaRPr lang="en-US" dirty="0" smtClean="0"/>
-          </a:p>
-          <a:p>
-            <a:pPr lvl="1"/>
-            <a:r>
-              <a:rPr lang="en-US" dirty="0" smtClean="0"/>
-              <a:t>Inner metal </a:t>
-            </a:r>
-            <a:r>
-              <a:rPr lang="en-US" dirty="0" smtClean="0"/>
-              <a:t>layers</a:t>
-            </a:r>
-            <a:endParaRPr lang="en-US" dirty="0" smtClean="0"/>
-          </a:p>
-          <a:p>
-            <a:pPr lvl="1"/>
-            <a:r>
-              <a:rPr lang="en-US" dirty="0" smtClean="0"/>
-              <a:t>Bottom </a:t>
-            </a:r>
-            <a:r>
-              <a:rPr lang="en-US" dirty="0" smtClean="0"/>
-              <a:t>metal (.BOT)</a:t>
-            </a:r>
-            <a:endParaRPr lang="en-US" dirty="0" smtClean="0"/>
-          </a:p>
-          <a:p>
-            <a:pPr lvl="1"/>
-            <a:r>
-              <a:rPr lang="en-US" dirty="0" smtClean="0"/>
-              <a:t>Bottom solder </a:t>
-            </a:r>
-            <a:r>
-              <a:rPr lang="en-US" dirty="0" smtClean="0"/>
-              <a:t>mask (.STS)</a:t>
-            </a:r>
-            <a:endParaRPr lang="en-US" dirty="0" smtClean="0"/>
-          </a:p>
-          <a:p>
-            <a:pPr lvl="1"/>
-            <a:r>
-              <a:rPr lang="en-US" dirty="0" smtClean="0"/>
-              <a:t>Bottom silk </a:t>
-            </a:r>
-            <a:r>
-              <a:rPr lang="en-US" dirty="0" smtClean="0"/>
-              <a:t>screen (.PLS)</a:t>
-            </a:r>
-            <a:endParaRPr lang="en-US" dirty="0" smtClean="0"/>
-          </a:p>
-          <a:p>
-            <a:r>
-              <a:rPr lang="en-US" dirty="0" smtClean="0"/>
-              <a:t>One drill file specifying where all the pads, </a:t>
-            </a:r>
-            <a:r>
-              <a:rPr lang="en-US" dirty="0" err="1" smtClean="0"/>
-              <a:t>vias</a:t>
-            </a:r>
-            <a:r>
-              <a:rPr lang="en-US" dirty="0" smtClean="0"/>
-              <a:t>, and mounting holes are located and their </a:t>
-            </a:r>
-            <a:r>
-              <a:rPr lang="en-US" dirty="0" smtClean="0"/>
-              <a:t>diameters (.DRD)</a:t>
-            </a:r>
-            <a:endParaRPr lang="en-US" dirty="0" smtClean="0"/>
-          </a:p>
-          <a:p>
-            <a:r>
-              <a:rPr lang="en-US" dirty="0" smtClean="0"/>
-              <a:t>Other files too, depending on the manufacturing process</a:t>
-            </a:r>
-          </a:p>
-          <a:p>
-            <a:pPr lvl="1"/>
-            <a:r>
-              <a:rPr lang="en-US" dirty="0" smtClean="0"/>
-              <a:t>Solder paste stencil</a:t>
-            </a:r>
-          </a:p>
-          <a:p>
-            <a:pPr lvl="1"/>
-            <a:r>
-              <a:rPr lang="en-US" dirty="0" smtClean="0"/>
-              <a:t>Assembly drawings</a:t>
-            </a:r>
+              <a:t>This checks for common problems in schematics.</a:t>
+            </a:r>
+          </a:p>
+          <a:p>
+            <a:r>
+              <a:rPr lang="en-US" dirty="0" smtClean="0"/>
+              <a:t>Run it! </a:t>
+            </a:r>
+            <a:endParaRPr lang="en-US" dirty="0"/>
           </a:p>
         </p:txBody>
       </p:sp>
     </p:spTree>
     <p:extLst>
       <p:ext uri="{BB962C8B-B14F-4D97-AF65-F5344CB8AC3E}">
-        <p14:creationId xmlns:p14="http://schemas.microsoft.com/office/powerpoint/2010/main" val="1454318617"/>
+        <p14:creationId xmlns:p14="http://schemas.microsoft.com/office/powerpoint/2010/main" val="1342602792"/>
       </p:ext>
     </p:extLst>
   </p:cSld>
@@ -5297,7 +5149,7 @@
           <a:p>
             <a:r>
               <a:rPr lang="en-US" dirty="0" smtClean="0"/>
-              <a:t>The CAM Processor</a:t>
+              <a:t>Design Rules Check</a:t>
             </a:r>
             <a:endParaRPr lang="en-US" dirty="0"/>
           </a:p>
@@ -5320,54 +5172,48 @@
           <a:p>
             <a:r>
               <a:rPr lang="en-US" dirty="0" smtClean="0"/>
-              <a:t>The CAM Processor generates CAM files</a:t>
-            </a:r>
-          </a:p>
-          <a:p>
-            <a:r>
-              <a:rPr lang="en-US" dirty="0" smtClean="0"/>
-              <a:t>The exact configuration for the </a:t>
+              <a:t>Checks that your board layout meets design requirements for manufacturing.</a:t>
+            </a:r>
+          </a:p>
+          <a:p>
+            <a:pPr lvl="1"/>
+            <a:r>
+              <a:rPr lang="en-US" dirty="0" smtClean="0"/>
+              <a:t>Distance between traces and traces, traces and </a:t>
             </a:r>
             <a:r>
               <a:rPr lang="en-US" dirty="0" err="1" smtClean="0"/>
-              <a:t>gerber</a:t>
-            </a:r>
-            <a:r>
-              <a:rPr lang="en-US" dirty="0" smtClean="0"/>
-              <a:t> files varies by board house</a:t>
+              <a:t>vias</a:t>
+            </a:r>
+            <a:r>
+              <a:rPr lang="en-US" dirty="0" smtClean="0"/>
+              <a:t>, etc.</a:t>
             </a:r>
           </a:p>
           <a:p>
             <a:pPr lvl="1"/>
             <a:r>
               <a:rPr lang="en-US" dirty="0" smtClean="0"/>
-              <a:t>Should the board outline be in every layer?</a:t>
+              <a:t>Trace width</a:t>
             </a:r>
           </a:p>
           <a:p>
             <a:pPr lvl="1"/>
             <a:r>
               <a:rPr lang="en-US" dirty="0" smtClean="0"/>
-              <a:t>Which format should the files be in (there are many)</a:t>
+              <a:t>Etc.</a:t>
             </a:r>
           </a:p>
           <a:p>
             <a:pPr lvl="1"/>
-            <a:r>
-              <a:rPr lang="en-US" dirty="0" smtClean="0"/>
-              <a:t>Should the back side layers be mirrored?</a:t>
-            </a:r>
-          </a:p>
-          <a:p>
-            <a:pPr lvl="1"/>
-            <a:endParaRPr lang="en-US" dirty="0"/>
+            <a:endParaRPr lang="en-US" dirty="0" smtClean="0"/>
           </a:p>
         </p:txBody>
       </p:sp>
     </p:spTree>
     <p:extLst>
       <p:ext uri="{BB962C8B-B14F-4D97-AF65-F5344CB8AC3E}">
-        <p14:creationId xmlns:p14="http://schemas.microsoft.com/office/powerpoint/2010/main" val="3909963707"/>
+        <p14:creationId xmlns:p14="http://schemas.microsoft.com/office/powerpoint/2010/main" val="638521074"/>
       </p:ext>
     </p:extLst>
   </p:cSld>
@@ -5411,7 +5257,7 @@
           <a:p>
             <a:r>
               <a:rPr lang="en-US" dirty="0" smtClean="0"/>
-              <a:t>CAM Setup</a:t>
+              <a:t>CAM Layers (Gerber files)</a:t>
             </a:r>
             <a:endParaRPr lang="en-US" dirty="0"/>
           </a:p>
@@ -5427,47 +5273,186 @@
             <p:ph idx="1"/>
           </p:nvPr>
         </p:nvSpPr>
-        <p:spPr/>
+        <p:spPr>
+          <a:xfrm>
+            <a:off x="457200" y="1195294"/>
+            <a:ext cx="8229600" cy="5468471"/>
+          </a:xfrm>
+        </p:spPr>
         <p:txBody>
-          <a:bodyPr/>
+          <a:bodyPr>
+            <a:normAutofit fontScale="70000" lnSpcReduction="20000"/>
+          </a:bodyPr>
           <a:lstStyle/>
           <a:p>
             <a:r>
               <a:rPr lang="en-US" dirty="0" smtClean="0"/>
-              <a:t>To prepare </a:t>
+              <a:t>Eagle layers are for design.</a:t>
+            </a:r>
+          </a:p>
+          <a:p>
+            <a:r>
+              <a:rPr lang="en-US" dirty="0" smtClean="0"/>
+              <a:t>CAM layers are for manufacturing</a:t>
+            </a:r>
+          </a:p>
+          <a:p>
+            <a:pPr lvl="1"/>
+            <a:r>
+              <a:rPr lang="en-US" dirty="0" smtClean="0"/>
+              <a:t>“</a:t>
+            </a:r>
+            <a:r>
+              <a:rPr lang="en-US" dirty="0"/>
+              <a:t>G</a:t>
+            </a:r>
+            <a:r>
+              <a:rPr lang="en-US" dirty="0" smtClean="0"/>
+              <a:t>erber” files are for lithographic steps</a:t>
+            </a:r>
+          </a:p>
+          <a:p>
+            <a:pPr lvl="1"/>
+            <a:r>
+              <a:rPr lang="en-US" dirty="0" smtClean="0"/>
+              <a:t>Drill files are for drilling holes.</a:t>
+            </a:r>
+          </a:p>
+          <a:p>
+            <a:r>
+              <a:rPr lang="en-US" dirty="0" smtClean="0"/>
+              <a:t>Each CAM layers corresponds to one layer of the resulting board</a:t>
+            </a:r>
+          </a:p>
+          <a:p>
+            <a:pPr lvl="1"/>
+            <a:r>
+              <a:rPr lang="en-US" dirty="0" smtClean="0"/>
+              <a:t>Top silk </a:t>
+            </a:r>
+            <a:r>
+              <a:rPr lang="en-US" dirty="0" smtClean="0"/>
+              <a:t>screen (.PLC)</a:t>
+            </a:r>
+            <a:endParaRPr lang="en-US" dirty="0" smtClean="0"/>
+          </a:p>
+          <a:p>
+            <a:pPr lvl="1"/>
+            <a:r>
+              <a:rPr lang="en-US" dirty="0" smtClean="0"/>
+              <a:t>Top solder </a:t>
+            </a:r>
+            <a:r>
+              <a:rPr lang="en-US" dirty="0" smtClean="0"/>
+              <a:t>mask (.STC)</a:t>
+            </a:r>
+            <a:endParaRPr lang="en-US" dirty="0" smtClean="0"/>
+          </a:p>
+          <a:p>
+            <a:pPr lvl="1"/>
+            <a:r>
+              <a:rPr lang="en-US" dirty="0" smtClean="0"/>
+              <a:t>Top </a:t>
+            </a:r>
+            <a:r>
+              <a:rPr lang="en-US" dirty="0" smtClean="0"/>
+              <a:t>metal (.TOP)</a:t>
+            </a:r>
+            <a:endParaRPr lang="en-US" dirty="0" smtClean="0"/>
+          </a:p>
+          <a:p>
+            <a:pPr lvl="1"/>
+            <a:r>
+              <a:rPr lang="en-US" dirty="0" smtClean="0"/>
+              <a:t>Inner metal </a:t>
+            </a:r>
+            <a:r>
+              <a:rPr lang="en-US" dirty="0" smtClean="0"/>
+              <a:t>layers</a:t>
+            </a:r>
+            <a:endParaRPr lang="en-US" dirty="0" smtClean="0"/>
+          </a:p>
+          <a:p>
+            <a:pPr lvl="1"/>
+            <a:r>
+              <a:rPr lang="en-US" dirty="0" smtClean="0"/>
+              <a:t>Bottom </a:t>
+            </a:r>
+            <a:r>
+              <a:rPr lang="en-US" dirty="0" smtClean="0"/>
+              <a:t>metal (.BOT)</a:t>
+            </a:r>
+            <a:endParaRPr lang="en-US" dirty="0" smtClean="0"/>
+          </a:p>
+          <a:p>
+            <a:pPr lvl="1"/>
+            <a:r>
+              <a:rPr lang="en-US" dirty="0" smtClean="0"/>
+              <a:t>Bottom solder </a:t>
+            </a:r>
+            <a:r>
+              <a:rPr lang="en-US" dirty="0" smtClean="0"/>
+              <a:t>mask (.STS)</a:t>
+            </a:r>
+            <a:endParaRPr lang="en-US" dirty="0" smtClean="0"/>
+          </a:p>
+          <a:p>
+            <a:pPr lvl="1"/>
+            <a:r>
+              <a:rPr lang="en-US" dirty="0" smtClean="0"/>
+              <a:t>Bottom silk </a:t>
+            </a:r>
+            <a:r>
+              <a:rPr lang="en-US" dirty="0" smtClean="0"/>
+              <a:t>screen (.PLS)</a:t>
+            </a:r>
+            <a:endParaRPr lang="en-US" dirty="0" smtClean="0"/>
+          </a:p>
+          <a:p>
+            <a:r>
+              <a:rPr lang="en-US" dirty="0" smtClean="0"/>
+              <a:t>One drill file specifying where all the pads, </a:t>
             </a:r>
             <a:r>
               <a:rPr lang="en-US" dirty="0" err="1" smtClean="0"/>
-              <a:t>Gerbers</a:t>
-            </a:r>
-            <a:r>
-              <a:rPr lang="en-US" dirty="0" smtClean="0"/>
-              <a:t> for a particular board house, you need CAM setup files (*.cam for Eagle)</a:t>
-            </a:r>
-          </a:p>
-          <a:p>
-            <a:r>
-              <a:rPr lang="en-US" dirty="0" smtClean="0"/>
-              <a:t>This specifies how to generate each layer the board house needs.</a:t>
-            </a:r>
-          </a:p>
-          <a:p>
-            <a:r>
-              <a:rPr lang="en-US" dirty="0" smtClean="0"/>
-              <a:t>See example in Button and </a:t>
-            </a:r>
-            <a:r>
-              <a:rPr lang="en-US" smtClean="0"/>
-              <a:t>Light Tutorial.</a:t>
-            </a:r>
-            <a:endParaRPr lang="en-US"/>
+              <a:t>vias</a:t>
+            </a:r>
+            <a:r>
+              <a:rPr lang="en-US" dirty="0" smtClean="0"/>
+              <a:t>, and mounting holes are located and their </a:t>
+            </a:r>
+            <a:r>
+              <a:rPr lang="en-US" dirty="0" smtClean="0"/>
+              <a:t>diameters (.DRD)</a:t>
+            </a:r>
+            <a:endParaRPr lang="en-US" dirty="0" smtClean="0"/>
+          </a:p>
+          <a:p>
+            <a:r>
+              <a:rPr lang="en-US" dirty="0" smtClean="0"/>
+              <a:t>Other files too, depending on the manufacturing process</a:t>
+            </a:r>
+          </a:p>
+          <a:p>
+            <a:pPr lvl="1"/>
+            <a:r>
+              <a:rPr lang="en-US" dirty="0" smtClean="0"/>
+              <a:t>Solder paste stencil</a:t>
+            </a:r>
+          </a:p>
+          <a:p>
+            <a:pPr lvl="1"/>
+            <a:r>
+              <a:rPr lang="en-US" dirty="0" smtClean="0"/>
+              <a:t>Assembly drawings</a:t>
+            </a:r>
           </a:p>
         </p:txBody>
       </p:sp>
     </p:spTree>
     <p:extLst>
       <p:ext uri="{BB962C8B-B14F-4D97-AF65-F5344CB8AC3E}">
-        <p14:creationId xmlns:p14="http://schemas.microsoft.com/office/powerpoint/2010/main" val="2385978848"/>
+        <p14:creationId xmlns:p14="http://schemas.microsoft.com/office/powerpoint/2010/main" val="1454318617"/>
       </p:ext>
     </p:extLst>
   </p:cSld>
@@ -5511,7 +5496,7 @@
           <a:p>
             <a:r>
               <a:rPr lang="en-US" dirty="0" smtClean="0"/>
-              <a:t>CAM Demo</a:t>
+              <a:t>The CAM Processor</a:t>
             </a:r>
             <a:endParaRPr lang="en-US" dirty="0"/>
           </a:p>
@@ -5532,14 +5517,56 @@
           <a:bodyPr/>
           <a:lstStyle/>
           <a:p>
-            <a:endParaRPr lang="en-US"/>
+            <a:r>
+              <a:rPr lang="en-US" dirty="0" smtClean="0"/>
+              <a:t>The CAM Processor generates CAM files</a:t>
+            </a:r>
+          </a:p>
+          <a:p>
+            <a:r>
+              <a:rPr lang="en-US" dirty="0" smtClean="0"/>
+              <a:t>The exact configuration for the </a:t>
+            </a:r>
+            <a:r>
+              <a:rPr lang="en-US" dirty="0" err="1" smtClean="0"/>
+              <a:t>gerber</a:t>
+            </a:r>
+            <a:r>
+              <a:rPr lang="en-US" dirty="0" smtClean="0"/>
+              <a:t> files varies by board house</a:t>
+            </a:r>
+          </a:p>
+          <a:p>
+            <a:pPr lvl="1"/>
+            <a:r>
+              <a:rPr lang="en-US" dirty="0" smtClean="0"/>
+              <a:t>Should the board outline be in every layer?</a:t>
+            </a:r>
+          </a:p>
+          <a:p>
+            <a:pPr lvl="1"/>
+            <a:r>
+              <a:rPr lang="en-US" dirty="0" smtClean="0"/>
+              <a:t>Which format should the files be in (there are many)</a:t>
+            </a:r>
+          </a:p>
+          <a:p>
+            <a:pPr lvl="1"/>
+            <a:r>
+              <a:rPr lang="en-US" dirty="0" smtClean="0"/>
+              <a:t>Should the back side layers be mirrored?</a:t>
+            </a:r>
+          </a:p>
+          <a:p>
+            <a:pPr lvl="1"/>
+            <a:endParaRPr lang="en-US" dirty="0"/>
           </a:p>
         </p:txBody>
       </p:sp>
     </p:spTree>
     <p:extLst>
       <p:ext uri="{BB962C8B-B14F-4D97-AF65-F5344CB8AC3E}">
-        <p14:creationId xmlns:p14="http://schemas.microsoft.com/office/powerpoint/2010/main" val="4080650690"/>
+        <p14:creationId xmlns:p14="http://schemas.microsoft.com/office/powerpoint/2010/main" val="3909963707"/>
       </p:ext>
     </p:extLst>
   </p:cSld>
@@ -5583,15 +5610,7 @@
           <a:p>
             <a:r>
               <a:rPr lang="en-US" dirty="0" smtClean="0"/>
-              <a:t>Checking Your </a:t>
-            </a:r>
-            <a:r>
-              <a:rPr lang="en-US" dirty="0" err="1" smtClean="0"/>
-              <a:t>Gerbers</a:t>
-            </a:r>
-            <a:r>
-              <a:rPr lang="en-US" dirty="0" smtClean="0"/>
-              <a:t>!</a:t>
+              <a:t>CAM Setup</a:t>
             </a:r>
             <a:endParaRPr lang="en-US" dirty="0"/>
           </a:p>
@@ -5614,39 +5633,7 @@
           <a:p>
             <a:r>
               <a:rPr lang="en-US" dirty="0" smtClean="0"/>
-              <a:t>Eagle can’t display Gerber files itself</a:t>
-            </a:r>
-          </a:p>
-          <a:p>
-            <a:r>
-              <a:rPr lang="en-US" dirty="0" smtClean="0"/>
-              <a:t>You need a 3</a:t>
-            </a:r>
-            <a:r>
-              <a:rPr lang="en-US" baseline="30000" dirty="0" smtClean="0"/>
-              <a:t>rd</a:t>
-            </a:r>
-            <a:r>
-              <a:rPr lang="en-US" dirty="0" smtClean="0"/>
-              <a:t> party tool</a:t>
-            </a:r>
-          </a:p>
-          <a:p>
-            <a:pPr lvl="1"/>
-            <a:r>
-              <a:rPr lang="en-US" dirty="0"/>
-              <a:t>S</a:t>
-            </a:r>
-            <a:r>
-              <a:rPr lang="en-US" dirty="0" smtClean="0"/>
-              <a:t>ee the Button and Light tutorial for recommendations</a:t>
-            </a:r>
-            <a:endParaRPr lang="en-US" dirty="0"/>
-          </a:p>
-          <a:p>
-            <a:r>
-              <a:rPr lang="en-US" dirty="0" smtClean="0"/>
-              <a:t>You should always check your </a:t>
+              <a:t>To prepare </a:t>
             </a:r>
             <a:r>
               <a:rPr lang="en-US" dirty="0" err="1" smtClean="0"/>
@@ -5654,43 +5641,32 @@
             </a:r>
             <a:r>
               <a:rPr lang="en-US" dirty="0" smtClean="0"/>
-              <a:t>!</a:t>
-            </a:r>
-          </a:p>
-          <a:p>
-            <a:pPr lvl="1"/>
-            <a:r>
-              <a:rPr lang="en-US" dirty="0" smtClean="0"/>
-              <a:t>Eagle has bugs (I assume)</a:t>
-            </a:r>
-          </a:p>
-          <a:p>
-            <a:pPr lvl="1"/>
-            <a:r>
-              <a:rPr lang="en-US" dirty="0" smtClean="0"/>
-              <a:t>You may have misconfigured something</a:t>
-            </a:r>
-          </a:p>
-          <a:p>
-            <a:pPr lvl="1"/>
-            <a:r>
-              <a:rPr lang="en-US" dirty="0" smtClean="0"/>
-              <a:t>You may have put something in the wrong layer.</a:t>
-            </a:r>
-          </a:p>
-          <a:p>
-            <a:pPr lvl="1"/>
-            <a:endParaRPr lang="en-US" dirty="0" smtClean="0"/>
-          </a:p>
-          <a:p>
-            <a:endParaRPr lang="en-US" dirty="0" smtClean="0"/>
+              <a:t> for a particular board house, you need CAM setup files (*.cam for Eagle)</a:t>
+            </a:r>
+          </a:p>
+          <a:p>
+            <a:r>
+              <a:rPr lang="en-US" dirty="0" smtClean="0"/>
+              <a:t>This specifies how to generate each layer the board house needs.</a:t>
+            </a:r>
+          </a:p>
+          <a:p>
+            <a:r>
+              <a:rPr lang="en-US" dirty="0" smtClean="0"/>
+              <a:t>See example in Button and </a:t>
+            </a:r>
+            <a:r>
+              <a:rPr lang="en-US" smtClean="0"/>
+              <a:t>Light Tutorial.</a:t>
+            </a:r>
+            <a:endParaRPr lang="en-US"/>
           </a:p>
         </p:txBody>
       </p:sp>
     </p:spTree>
     <p:extLst>
       <p:ext uri="{BB962C8B-B14F-4D97-AF65-F5344CB8AC3E}">
-        <p14:creationId xmlns:p14="http://schemas.microsoft.com/office/powerpoint/2010/main" val="2466621111"/>
+        <p14:creationId xmlns:p14="http://schemas.microsoft.com/office/powerpoint/2010/main" val="2385978848"/>
       </p:ext>
     </p:extLst>
   </p:cSld>
@@ -5734,7 +5710,7 @@
           <a:p>
             <a:r>
               <a:rPr lang="en-US" dirty="0" smtClean="0"/>
-              <a:t>Gerber Viewer Demo</a:t>
+              <a:t>CAM Demo</a:t>
             </a:r>
             <a:endParaRPr lang="en-US" dirty="0"/>
           </a:p>
@@ -5755,14 +5731,14 @@
           <a:bodyPr/>
           <a:lstStyle/>
           <a:p>
-            <a:endParaRPr lang="en-US" dirty="0"/>
+            <a:endParaRPr lang="en-US"/>
           </a:p>
         </p:txBody>
       </p:sp>
     </p:spTree>
     <p:extLst>
       <p:ext uri="{BB962C8B-B14F-4D97-AF65-F5344CB8AC3E}">
-        <p14:creationId xmlns:p14="http://schemas.microsoft.com/office/powerpoint/2010/main" val="86481886"/>
+        <p14:creationId xmlns:p14="http://schemas.microsoft.com/office/powerpoint/2010/main" val="4080650690"/>
       </p:ext>
     </p:extLst>
   </p:cSld>
@@ -5945,7 +5921,15 @@
           <a:p>
             <a:r>
               <a:rPr lang="en-US" dirty="0" smtClean="0"/>
-              <a:t>DFM Checks</a:t>
+              <a:t>Checking Your </a:t>
+            </a:r>
+            <a:r>
+              <a:rPr lang="en-US" dirty="0" err="1" smtClean="0"/>
+              <a:t>Gerbers</a:t>
+            </a:r>
+            <a:r>
+              <a:rPr lang="en-US" dirty="0" smtClean="0"/>
+              <a:t>!</a:t>
             </a:r>
             <a:endParaRPr lang="en-US" dirty="0"/>
           </a:p>
@@ -5968,6 +5952,221 @@
           <a:p>
             <a:r>
               <a:rPr lang="en-US" dirty="0" smtClean="0"/>
+              <a:t>Eagle can’t display Gerber files itself</a:t>
+            </a:r>
+          </a:p>
+          <a:p>
+            <a:r>
+              <a:rPr lang="en-US" dirty="0" smtClean="0"/>
+              <a:t>You need a 3</a:t>
+            </a:r>
+            <a:r>
+              <a:rPr lang="en-US" baseline="30000" dirty="0" smtClean="0"/>
+              <a:t>rd</a:t>
+            </a:r>
+            <a:r>
+              <a:rPr lang="en-US" dirty="0" smtClean="0"/>
+              <a:t> party tool</a:t>
+            </a:r>
+          </a:p>
+          <a:p>
+            <a:pPr lvl="1"/>
+            <a:r>
+              <a:rPr lang="en-US" dirty="0"/>
+              <a:t>S</a:t>
+            </a:r>
+            <a:r>
+              <a:rPr lang="en-US" dirty="0" smtClean="0"/>
+              <a:t>ee the Button and Light tutorial for recommendations</a:t>
+            </a:r>
+            <a:endParaRPr lang="en-US" dirty="0"/>
+          </a:p>
+          <a:p>
+            <a:r>
+              <a:rPr lang="en-US" dirty="0" smtClean="0"/>
+              <a:t>You should always check your </a:t>
+            </a:r>
+            <a:r>
+              <a:rPr lang="en-US" dirty="0" err="1" smtClean="0"/>
+              <a:t>Gerbers</a:t>
+            </a:r>
+            <a:r>
+              <a:rPr lang="en-US" dirty="0" smtClean="0"/>
+              <a:t>!</a:t>
+            </a:r>
+          </a:p>
+          <a:p>
+            <a:pPr lvl="1"/>
+            <a:r>
+              <a:rPr lang="en-US" dirty="0" smtClean="0"/>
+              <a:t>Eagle has bugs (I assume)</a:t>
+            </a:r>
+          </a:p>
+          <a:p>
+            <a:pPr lvl="1"/>
+            <a:r>
+              <a:rPr lang="en-US" dirty="0" smtClean="0"/>
+              <a:t>You may have misconfigured something</a:t>
+            </a:r>
+          </a:p>
+          <a:p>
+            <a:pPr lvl="1"/>
+            <a:r>
+              <a:rPr lang="en-US" dirty="0" smtClean="0"/>
+              <a:t>You may have put something in the wrong layer.</a:t>
+            </a:r>
+          </a:p>
+          <a:p>
+            <a:pPr lvl="1"/>
+            <a:endParaRPr lang="en-US" dirty="0" smtClean="0"/>
+          </a:p>
+          <a:p>
+            <a:endParaRPr lang="en-US" dirty="0" smtClean="0"/>
+          </a:p>
+        </p:txBody>
+      </p:sp>
+    </p:spTree>
+    <p:extLst>
+      <p:ext uri="{BB962C8B-B14F-4D97-AF65-F5344CB8AC3E}">
+        <p14:creationId xmlns:p14="http://schemas.microsoft.com/office/powerpoint/2010/main" val="2466621111"/>
+      </p:ext>
+    </p:extLst>
+  </p:cSld>
+  <p:clrMapOvr>
+    <a:masterClrMapping/>
+  </p:clrMapOvr>
+</p:sld>
+</file>
+
+<file path=ppt/slides/slide31.xml><?xml version="1.0" encoding="utf-8"?>
+<p:sld xmlns:a="http://schemas.openxmlformats.org/drawingml/2006/main" xmlns:r="http://schemas.openxmlformats.org/officeDocument/2006/relationships" xmlns:p="http://schemas.openxmlformats.org/presentationml/2006/main">
+  <p:cSld>
+    <p:spTree>
+      <p:nvGrpSpPr>
+        <p:cNvPr id="1" name=""/>
+        <p:cNvGrpSpPr/>
+        <p:nvPr/>
+      </p:nvGrpSpPr>
+      <p:grpSpPr>
+        <a:xfrm>
+          <a:off x="0" y="0"/>
+          <a:ext cx="0" cy="0"/>
+          <a:chOff x="0" y="0"/>
+          <a:chExt cx="0" cy="0"/>
+        </a:xfrm>
+      </p:grpSpPr>
+      <p:sp>
+        <p:nvSpPr>
+          <p:cNvPr id="2" name="Title 1"/>
+          <p:cNvSpPr>
+            <a:spLocks noGrp="1"/>
+          </p:cNvSpPr>
+          <p:nvPr>
+            <p:ph type="title"/>
+          </p:nvPr>
+        </p:nvSpPr>
+        <p:spPr/>
+        <p:txBody>
+          <a:bodyPr/>
+          <a:lstStyle/>
+          <a:p>
+            <a:r>
+              <a:rPr lang="en-US" dirty="0" smtClean="0"/>
+              <a:t>Gerber Viewer Demo</a:t>
+            </a:r>
+            <a:endParaRPr lang="en-US" dirty="0"/>
+          </a:p>
+        </p:txBody>
+      </p:sp>
+      <p:sp>
+        <p:nvSpPr>
+          <p:cNvPr id="3" name="Content Placeholder 2"/>
+          <p:cNvSpPr>
+            <a:spLocks noGrp="1"/>
+          </p:cNvSpPr>
+          <p:nvPr>
+            <p:ph idx="1"/>
+          </p:nvPr>
+        </p:nvSpPr>
+        <p:spPr/>
+        <p:txBody>
+          <a:bodyPr/>
+          <a:lstStyle/>
+          <a:p>
+            <a:endParaRPr lang="en-US" dirty="0"/>
+          </a:p>
+        </p:txBody>
+      </p:sp>
+    </p:spTree>
+    <p:extLst>
+      <p:ext uri="{BB962C8B-B14F-4D97-AF65-F5344CB8AC3E}">
+        <p14:creationId xmlns:p14="http://schemas.microsoft.com/office/powerpoint/2010/main" val="86481886"/>
+      </p:ext>
+    </p:extLst>
+  </p:cSld>
+  <p:clrMapOvr>
+    <a:masterClrMapping/>
+  </p:clrMapOvr>
+</p:sld>
+</file>
+
+<file path=ppt/slides/slide32.xml><?xml version="1.0" encoding="utf-8"?>
+<p:sld xmlns:a="http://schemas.openxmlformats.org/drawingml/2006/main" xmlns:r="http://schemas.openxmlformats.org/officeDocument/2006/relationships" xmlns:p="http://schemas.openxmlformats.org/presentationml/2006/main">
+  <p:cSld>
+    <p:spTree>
+      <p:nvGrpSpPr>
+        <p:cNvPr id="1" name=""/>
+        <p:cNvGrpSpPr/>
+        <p:nvPr/>
+      </p:nvGrpSpPr>
+      <p:grpSpPr>
+        <a:xfrm>
+          <a:off x="0" y="0"/>
+          <a:ext cx="0" cy="0"/>
+          <a:chOff x="0" y="0"/>
+          <a:chExt cx="0" cy="0"/>
+        </a:xfrm>
+      </p:grpSpPr>
+      <p:sp>
+        <p:nvSpPr>
+          <p:cNvPr id="2" name="Title 1"/>
+          <p:cNvSpPr>
+            <a:spLocks noGrp="1"/>
+          </p:cNvSpPr>
+          <p:nvPr>
+            <p:ph type="title"/>
+          </p:nvPr>
+        </p:nvSpPr>
+        <p:spPr/>
+        <p:txBody>
+          <a:bodyPr/>
+          <a:lstStyle/>
+          <a:p>
+            <a:r>
+              <a:rPr lang="en-US" dirty="0" smtClean="0"/>
+              <a:t>DFM Checks</a:t>
+            </a:r>
+            <a:endParaRPr lang="en-US" dirty="0"/>
+          </a:p>
+        </p:txBody>
+      </p:sp>
+      <p:sp>
+        <p:nvSpPr>
+          <p:cNvPr id="3" name="Content Placeholder 2"/>
+          <p:cNvSpPr>
+            <a:spLocks noGrp="1"/>
+          </p:cNvSpPr>
+          <p:nvPr>
+            <p:ph idx="1"/>
+          </p:nvPr>
+        </p:nvSpPr>
+        <p:spPr/>
+        <p:txBody>
+          <a:bodyPr/>
+          <a:lstStyle/>
+          <a:p>
+            <a:r>
+              <a:rPr lang="en-US" dirty="0" smtClean="0"/>
               <a:t>You should also run a “design for manufacturing” (DFM) check on your </a:t>
             </a:r>
             <a:r>
@@ -6005,7 +6204,7 @@
 </p:sld>
 </file>
 
-<file path=ppt/slides/slide31.xml><?xml version="1.0" encoding="utf-8"?>
+<file path=ppt/slides/slide33.xml><?xml version="1.0" encoding="utf-8"?>
 <p:sld xmlns:a="http://schemas.openxmlformats.org/drawingml/2006/main" xmlns:r="http://schemas.openxmlformats.org/officeDocument/2006/relationships" xmlns:p="http://schemas.openxmlformats.org/presentationml/2006/main">
   <p:cSld>
     <p:spTree>
